--- a/public/assets/sources.pptx
+++ b/public/assets/sources.pptx
@@ -10,6 +10,7 @@
     <p:sldId id="258" r:id="rId4"/>
     <p:sldId id="259" r:id="rId5"/>
     <p:sldId id="260" r:id="rId6"/>
+    <p:sldId id="261" r:id="rId7"/>
   </p:sldIdLst>
   <p:sldSz cx="12192000" cy="6858000"/>
   <p:notesSz cx="6858000" cy="9144000"/>
@@ -263,7 +264,7 @@
           <a:p>
             <a:fld id="{C79F0725-D5E2-479C-8C83-A11862F1B3EE}" type="datetimeFigureOut">
               <a:rPr lang="en-US" smtClean="0"/>
-              <a:t>7/24/2019</a:t>
+              <a:t>8/2/2019</a:t>
             </a:fld>
             <a:endParaRPr lang="en-US"/>
           </a:p>
@@ -461,7 +462,7 @@
           <a:p>
             <a:fld id="{C79F0725-D5E2-479C-8C83-A11862F1B3EE}" type="datetimeFigureOut">
               <a:rPr lang="en-US" smtClean="0"/>
-              <a:t>7/24/2019</a:t>
+              <a:t>8/2/2019</a:t>
             </a:fld>
             <a:endParaRPr lang="en-US"/>
           </a:p>
@@ -669,7 +670,7 @@
           <a:p>
             <a:fld id="{C79F0725-D5E2-479C-8C83-A11862F1B3EE}" type="datetimeFigureOut">
               <a:rPr lang="en-US" smtClean="0"/>
-              <a:t>7/24/2019</a:t>
+              <a:t>8/2/2019</a:t>
             </a:fld>
             <a:endParaRPr lang="en-US"/>
           </a:p>
@@ -867,7 +868,7 @@
           <a:p>
             <a:fld id="{C79F0725-D5E2-479C-8C83-A11862F1B3EE}" type="datetimeFigureOut">
               <a:rPr lang="en-US" smtClean="0"/>
-              <a:t>7/24/2019</a:t>
+              <a:t>8/2/2019</a:t>
             </a:fld>
             <a:endParaRPr lang="en-US"/>
           </a:p>
@@ -1142,7 +1143,7 @@
           <a:p>
             <a:fld id="{C79F0725-D5E2-479C-8C83-A11862F1B3EE}" type="datetimeFigureOut">
               <a:rPr lang="en-US" smtClean="0"/>
-              <a:t>7/24/2019</a:t>
+              <a:t>8/2/2019</a:t>
             </a:fld>
             <a:endParaRPr lang="en-US"/>
           </a:p>
@@ -1407,7 +1408,7 @@
           <a:p>
             <a:fld id="{C79F0725-D5E2-479C-8C83-A11862F1B3EE}" type="datetimeFigureOut">
               <a:rPr lang="en-US" smtClean="0"/>
-              <a:t>7/24/2019</a:t>
+              <a:t>8/2/2019</a:t>
             </a:fld>
             <a:endParaRPr lang="en-US"/>
           </a:p>
@@ -1819,7 +1820,7 @@
           <a:p>
             <a:fld id="{C79F0725-D5E2-479C-8C83-A11862F1B3EE}" type="datetimeFigureOut">
               <a:rPr lang="en-US" smtClean="0"/>
-              <a:t>7/24/2019</a:t>
+              <a:t>8/2/2019</a:t>
             </a:fld>
             <a:endParaRPr lang="en-US"/>
           </a:p>
@@ -1960,7 +1961,7 @@
           <a:p>
             <a:fld id="{C79F0725-D5E2-479C-8C83-A11862F1B3EE}" type="datetimeFigureOut">
               <a:rPr lang="en-US" smtClean="0"/>
-              <a:t>7/24/2019</a:t>
+              <a:t>8/2/2019</a:t>
             </a:fld>
             <a:endParaRPr lang="en-US"/>
           </a:p>
@@ -2073,7 +2074,7 @@
           <a:p>
             <a:fld id="{C79F0725-D5E2-479C-8C83-A11862F1B3EE}" type="datetimeFigureOut">
               <a:rPr lang="en-US" smtClean="0"/>
-              <a:t>7/24/2019</a:t>
+              <a:t>8/2/2019</a:t>
             </a:fld>
             <a:endParaRPr lang="en-US"/>
           </a:p>
@@ -2384,7 +2385,7 @@
           <a:p>
             <a:fld id="{C79F0725-D5E2-479C-8C83-A11862F1B3EE}" type="datetimeFigureOut">
               <a:rPr lang="en-US" smtClean="0"/>
-              <a:t>7/24/2019</a:t>
+              <a:t>8/2/2019</a:t>
             </a:fld>
             <a:endParaRPr lang="en-US"/>
           </a:p>
@@ -2672,7 +2673,7 @@
           <a:p>
             <a:fld id="{C79F0725-D5E2-479C-8C83-A11862F1B3EE}" type="datetimeFigureOut">
               <a:rPr lang="en-US" smtClean="0"/>
-              <a:t>7/24/2019</a:t>
+              <a:t>8/2/2019</a:t>
             </a:fld>
             <a:endParaRPr lang="en-US"/>
           </a:p>
@@ -2913,7 +2914,7 @@
           <a:p>
             <a:fld id="{C79F0725-D5E2-479C-8C83-A11862F1B3EE}" type="datetimeFigureOut">
               <a:rPr lang="en-US" smtClean="0"/>
-              <a:t>7/24/2019</a:t>
+              <a:t>8/2/2019</a:t>
             </a:fld>
             <a:endParaRPr lang="en-US"/>
           </a:p>
@@ -3452,7 +3453,7 @@
             <a:lstStyle/>
             <a:p>
               <a:pPr algn="ctr"/>
-              <a:endParaRPr lang="en-US"/>
+              <a:endParaRPr lang="en-US" dirty="0"/>
             </a:p>
           </p:txBody>
         </p:sp>
@@ -4348,6 +4349,213 @@
     <p:extLst>
       <p:ext uri="{BB962C8B-B14F-4D97-AF65-F5344CB8AC3E}">
         <p14:creationId xmlns:p14="http://schemas.microsoft.com/office/powerpoint/2010/main" val="3057311061"/>
+      </p:ext>
+    </p:extLst>
+  </p:cSld>
+  <p:clrMapOvr>
+    <a:masterClrMapping/>
+  </p:clrMapOvr>
+</p:sld>
+</file>
+
+<file path=ppt/slides/slide6.xml><?xml version="1.0" encoding="utf-8"?>
+<p:sld xmlns:a="http://schemas.openxmlformats.org/drawingml/2006/main" xmlns:r="http://schemas.openxmlformats.org/officeDocument/2006/relationships" xmlns:p="http://schemas.openxmlformats.org/presentationml/2006/main">
+  <p:cSld>
+    <p:spTree>
+      <p:nvGrpSpPr>
+        <p:cNvPr id="1" name=""/>
+        <p:cNvGrpSpPr/>
+        <p:nvPr/>
+      </p:nvGrpSpPr>
+      <p:grpSpPr>
+        <a:xfrm>
+          <a:off x="0" y="0"/>
+          <a:ext cx="0" cy="0"/>
+          <a:chOff x="0" y="0"/>
+          <a:chExt cx="0" cy="0"/>
+        </a:xfrm>
+      </p:grpSpPr>
+      <p:grpSp>
+        <p:nvGrpSpPr>
+          <p:cNvPr id="11" name="Group 10">
+            <a:extLst>
+              <a:ext uri="{FF2B5EF4-FFF2-40B4-BE49-F238E27FC236}">
+                <a16:creationId xmlns:a16="http://schemas.microsoft.com/office/drawing/2014/main" id="{C9FFEBF9-5A0F-444F-82D5-BDC816AD69A2}"/>
+              </a:ext>
+            </a:extLst>
+          </p:cNvPr>
+          <p:cNvGrpSpPr/>
+          <p:nvPr/>
+        </p:nvGrpSpPr>
+        <p:grpSpPr>
+          <a:xfrm>
+            <a:off x="1864311" y="333375"/>
+            <a:ext cx="7406689" cy="5943600"/>
+            <a:chOff x="1864311" y="333375"/>
+            <a:chExt cx="7406689" cy="5943600"/>
+          </a:xfrm>
+        </p:grpSpPr>
+        <p:pic>
+          <p:nvPicPr>
+            <p:cNvPr id="7" name="Picture 2" descr="Image result for white cat icon">
+              <a:extLst>
+                <a:ext uri="{FF2B5EF4-FFF2-40B4-BE49-F238E27FC236}">
+                  <a16:creationId xmlns:a16="http://schemas.microsoft.com/office/drawing/2014/main" id="{AEDF91B5-4521-4988-A097-099115A0971D}"/>
+                </a:ext>
+              </a:extLst>
+            </p:cNvPr>
+            <p:cNvPicPr>
+              <a:picLocks noChangeAspect="1" noChangeArrowheads="1"/>
+            </p:cNvPicPr>
+            <p:nvPr/>
+          </p:nvPicPr>
+          <p:blipFill rotWithShape="1">
+            <a:blip r:embed="rId2">
+              <a:duotone>
+                <a:schemeClr val="bg2">
+                  <a:shade val="45000"/>
+                  <a:satMod val="135000"/>
+                </a:schemeClr>
+                <a:prstClr val="white"/>
+              </a:duotone>
+              <a:extLst>
+                <a:ext uri="{28A0092B-C50C-407E-A947-70E740481C1C}">
+                  <a14:useLocalDpi xmlns:a14="http://schemas.microsoft.com/office/drawing/2010/main" val="0"/>
+                </a:ext>
+              </a:extLst>
+            </a:blip>
+            <a:srcRect b="13333"/>
+            <a:stretch/>
+          </p:blipFill>
+          <p:spPr bwMode="auto">
+            <a:xfrm>
+              <a:off x="1864311" y="333375"/>
+              <a:ext cx="7406689" cy="5943600"/>
+            </a:xfrm>
+            <a:prstGeom prst="rect">
+              <a:avLst/>
+            </a:prstGeom>
+            <a:noFill/>
+            <a:extLst>
+              <a:ext uri="{909E8E84-426E-40DD-AFC4-6F175D3DCCD1}">
+                <a14:hiddenFill xmlns:a14="http://schemas.microsoft.com/office/drawing/2010/main">
+                  <a:solidFill>
+                    <a:srgbClr val="FFFFFF"/>
+                  </a:solidFill>
+                </a14:hiddenFill>
+              </a:ext>
+            </a:extLst>
+          </p:spPr>
+        </p:pic>
+        <p:sp>
+          <p:nvSpPr>
+            <p:cNvPr id="9" name="Rectangle 8">
+              <a:extLst>
+                <a:ext uri="{FF2B5EF4-FFF2-40B4-BE49-F238E27FC236}">
+                  <a16:creationId xmlns:a16="http://schemas.microsoft.com/office/drawing/2014/main" id="{F7CA389B-E822-4019-B3BB-A234A7130B03}"/>
+                </a:ext>
+              </a:extLst>
+            </p:cNvPr>
+            <p:cNvSpPr/>
+            <p:nvPr/>
+          </p:nvSpPr>
+          <p:spPr>
+            <a:xfrm>
+              <a:off x="6649375" y="1180730"/>
+              <a:ext cx="399495" cy="2024109"/>
+            </a:xfrm>
+            <a:prstGeom prst="rect">
+              <a:avLst/>
+            </a:prstGeom>
+            <a:solidFill>
+              <a:schemeClr val="bg1"/>
+            </a:solidFill>
+            <a:ln>
+              <a:noFill/>
+            </a:ln>
+          </p:spPr>
+          <p:style>
+            <a:lnRef idx="2">
+              <a:schemeClr val="accent1">
+                <a:shade val="50000"/>
+              </a:schemeClr>
+            </a:lnRef>
+            <a:fillRef idx="1">
+              <a:schemeClr val="accent1"/>
+            </a:fillRef>
+            <a:effectRef idx="0">
+              <a:schemeClr val="accent1"/>
+            </a:effectRef>
+            <a:fontRef idx="minor">
+              <a:schemeClr val="lt1"/>
+            </a:fontRef>
+          </p:style>
+          <p:txBody>
+            <a:bodyPr rtlCol="0" anchor="ctr"/>
+            <a:lstStyle/>
+            <a:p>
+              <a:pPr algn="ctr"/>
+              <a:endParaRPr lang="en-US"/>
+            </a:p>
+          </p:txBody>
+        </p:sp>
+        <p:sp>
+          <p:nvSpPr>
+            <p:cNvPr id="10" name="Rectangle 9">
+              <a:extLst>
+                <a:ext uri="{FF2B5EF4-FFF2-40B4-BE49-F238E27FC236}">
+                  <a16:creationId xmlns:a16="http://schemas.microsoft.com/office/drawing/2014/main" id="{9BAC30EF-7E50-49B4-A946-A53D7CA11530}"/>
+                </a:ext>
+              </a:extLst>
+            </p:cNvPr>
+            <p:cNvSpPr/>
+            <p:nvPr/>
+          </p:nvSpPr>
+          <p:spPr>
+            <a:xfrm rot="16200000">
+              <a:off x="6649374" y="1180729"/>
+              <a:ext cx="399495" cy="2024109"/>
+            </a:xfrm>
+            <a:prstGeom prst="rect">
+              <a:avLst/>
+            </a:prstGeom>
+            <a:solidFill>
+              <a:schemeClr val="bg1"/>
+            </a:solidFill>
+            <a:ln>
+              <a:noFill/>
+            </a:ln>
+          </p:spPr>
+          <p:style>
+            <a:lnRef idx="2">
+              <a:schemeClr val="accent1">
+                <a:shade val="50000"/>
+              </a:schemeClr>
+            </a:lnRef>
+            <a:fillRef idx="1">
+              <a:schemeClr val="accent1"/>
+            </a:fillRef>
+            <a:effectRef idx="0">
+              <a:schemeClr val="accent1"/>
+            </a:effectRef>
+            <a:fontRef idx="minor">
+              <a:schemeClr val="lt1"/>
+            </a:fontRef>
+          </p:style>
+          <p:txBody>
+            <a:bodyPr rtlCol="0" anchor="ctr"/>
+            <a:lstStyle/>
+            <a:p>
+              <a:pPr algn="ctr"/>
+              <a:endParaRPr lang="en-US"/>
+            </a:p>
+          </p:txBody>
+        </p:sp>
+      </p:grpSp>
+    </p:spTree>
+    <p:extLst>
+      <p:ext uri="{BB962C8B-B14F-4D97-AF65-F5344CB8AC3E}">
+        <p14:creationId xmlns:p14="http://schemas.microsoft.com/office/powerpoint/2010/main" val="2955806286"/>
       </p:ext>
     </p:extLst>
   </p:cSld>

--- a/public/assets/sources.pptx
+++ b/public/assets/sources.pptx
@@ -11,6 +11,7 @@
     <p:sldId id="259" r:id="rId5"/>
     <p:sldId id="260" r:id="rId6"/>
     <p:sldId id="261" r:id="rId7"/>
+    <p:sldId id="262" r:id="rId8"/>
   </p:sldIdLst>
   <p:sldSz cx="12192000" cy="6858000"/>
   <p:notesSz cx="6858000" cy="9144000"/>
@@ -264,7 +265,7 @@
           <a:p>
             <a:fld id="{C79F0725-D5E2-479C-8C83-A11862F1B3EE}" type="datetimeFigureOut">
               <a:rPr lang="en-US" smtClean="0"/>
-              <a:t>8/2/2019</a:t>
+              <a:t>8/7/2019</a:t>
             </a:fld>
             <a:endParaRPr lang="en-US"/>
           </a:p>
@@ -462,7 +463,7 @@
           <a:p>
             <a:fld id="{C79F0725-D5E2-479C-8C83-A11862F1B3EE}" type="datetimeFigureOut">
               <a:rPr lang="en-US" smtClean="0"/>
-              <a:t>8/2/2019</a:t>
+              <a:t>8/7/2019</a:t>
             </a:fld>
             <a:endParaRPr lang="en-US"/>
           </a:p>
@@ -670,7 +671,7 @@
           <a:p>
             <a:fld id="{C79F0725-D5E2-479C-8C83-A11862F1B3EE}" type="datetimeFigureOut">
               <a:rPr lang="en-US" smtClean="0"/>
-              <a:t>8/2/2019</a:t>
+              <a:t>8/7/2019</a:t>
             </a:fld>
             <a:endParaRPr lang="en-US"/>
           </a:p>
@@ -868,7 +869,7 @@
           <a:p>
             <a:fld id="{C79F0725-D5E2-479C-8C83-A11862F1B3EE}" type="datetimeFigureOut">
               <a:rPr lang="en-US" smtClean="0"/>
-              <a:t>8/2/2019</a:t>
+              <a:t>8/7/2019</a:t>
             </a:fld>
             <a:endParaRPr lang="en-US"/>
           </a:p>
@@ -1143,7 +1144,7 @@
           <a:p>
             <a:fld id="{C79F0725-D5E2-479C-8C83-A11862F1B3EE}" type="datetimeFigureOut">
               <a:rPr lang="en-US" smtClean="0"/>
-              <a:t>8/2/2019</a:t>
+              <a:t>8/7/2019</a:t>
             </a:fld>
             <a:endParaRPr lang="en-US"/>
           </a:p>
@@ -1408,7 +1409,7 @@
           <a:p>
             <a:fld id="{C79F0725-D5E2-479C-8C83-A11862F1B3EE}" type="datetimeFigureOut">
               <a:rPr lang="en-US" smtClean="0"/>
-              <a:t>8/2/2019</a:t>
+              <a:t>8/7/2019</a:t>
             </a:fld>
             <a:endParaRPr lang="en-US"/>
           </a:p>
@@ -1820,7 +1821,7 @@
           <a:p>
             <a:fld id="{C79F0725-D5E2-479C-8C83-A11862F1B3EE}" type="datetimeFigureOut">
               <a:rPr lang="en-US" smtClean="0"/>
-              <a:t>8/2/2019</a:t>
+              <a:t>8/7/2019</a:t>
             </a:fld>
             <a:endParaRPr lang="en-US"/>
           </a:p>
@@ -1961,7 +1962,7 @@
           <a:p>
             <a:fld id="{C79F0725-D5E2-479C-8C83-A11862F1B3EE}" type="datetimeFigureOut">
               <a:rPr lang="en-US" smtClean="0"/>
-              <a:t>8/2/2019</a:t>
+              <a:t>8/7/2019</a:t>
             </a:fld>
             <a:endParaRPr lang="en-US"/>
           </a:p>
@@ -2074,7 +2075,7 @@
           <a:p>
             <a:fld id="{C79F0725-D5E2-479C-8C83-A11862F1B3EE}" type="datetimeFigureOut">
               <a:rPr lang="en-US" smtClean="0"/>
-              <a:t>8/2/2019</a:t>
+              <a:t>8/7/2019</a:t>
             </a:fld>
             <a:endParaRPr lang="en-US"/>
           </a:p>
@@ -2385,7 +2386,7 @@
           <a:p>
             <a:fld id="{C79F0725-D5E2-479C-8C83-A11862F1B3EE}" type="datetimeFigureOut">
               <a:rPr lang="en-US" smtClean="0"/>
-              <a:t>8/2/2019</a:t>
+              <a:t>8/7/2019</a:t>
             </a:fld>
             <a:endParaRPr lang="en-US"/>
           </a:p>
@@ -2673,7 +2674,7 @@
           <a:p>
             <a:fld id="{C79F0725-D5E2-479C-8C83-A11862F1B3EE}" type="datetimeFigureOut">
               <a:rPr lang="en-US" smtClean="0"/>
-              <a:t>8/2/2019</a:t>
+              <a:t>8/7/2019</a:t>
             </a:fld>
             <a:endParaRPr lang="en-US"/>
           </a:p>
@@ -2914,7 +2915,7 @@
           <a:p>
             <a:fld id="{C79F0725-D5E2-479C-8C83-A11862F1B3EE}" type="datetimeFigureOut">
               <a:rPr lang="en-US" smtClean="0"/>
-              <a:t>8/2/2019</a:t>
+              <a:t>8/7/2019</a:t>
             </a:fld>
             <a:endParaRPr lang="en-US"/>
           </a:p>
@@ -4547,7 +4548,7 @@
             <a:lstStyle/>
             <a:p>
               <a:pPr algn="ctr"/>
-              <a:endParaRPr lang="en-US"/>
+              <a:endParaRPr lang="en-US" dirty="0"/>
             </a:p>
           </p:txBody>
         </p:sp>
@@ -4556,6 +4557,225 @@
     <p:extLst>
       <p:ext uri="{BB962C8B-B14F-4D97-AF65-F5344CB8AC3E}">
         <p14:creationId xmlns:p14="http://schemas.microsoft.com/office/powerpoint/2010/main" val="2955806286"/>
+      </p:ext>
+    </p:extLst>
+  </p:cSld>
+  <p:clrMapOvr>
+    <a:masterClrMapping/>
+  </p:clrMapOvr>
+</p:sld>
+</file>
+
+<file path=ppt/slides/slide7.xml><?xml version="1.0" encoding="utf-8"?>
+<p:sld xmlns:a="http://schemas.openxmlformats.org/drawingml/2006/main" xmlns:r="http://schemas.openxmlformats.org/officeDocument/2006/relationships" xmlns:p="http://schemas.openxmlformats.org/presentationml/2006/main">
+  <p:cSld>
+    <p:spTree>
+      <p:nvGrpSpPr>
+        <p:cNvPr id="1" name=""/>
+        <p:cNvGrpSpPr/>
+        <p:nvPr/>
+      </p:nvGrpSpPr>
+      <p:grpSpPr>
+        <a:xfrm>
+          <a:off x="0" y="0"/>
+          <a:ext cx="0" cy="0"/>
+          <a:chOff x="0" y="0"/>
+          <a:chExt cx="0" cy="0"/>
+        </a:xfrm>
+      </p:grpSpPr>
+      <p:sp>
+        <p:nvSpPr>
+          <p:cNvPr id="6" name="Rectangle 5">
+            <a:extLst>
+              <a:ext uri="{FF2B5EF4-FFF2-40B4-BE49-F238E27FC236}">
+                <a16:creationId xmlns:a16="http://schemas.microsoft.com/office/drawing/2014/main" id="{44907555-C7BE-43D0-AAF2-E41BDA999869}"/>
+              </a:ext>
+            </a:extLst>
+          </p:cNvPr>
+          <p:cNvSpPr/>
+          <p:nvPr/>
+        </p:nvSpPr>
+        <p:spPr>
+          <a:xfrm>
+            <a:off x="2370338" y="1431523"/>
+            <a:ext cx="6844683" cy="3737499"/>
+          </a:xfrm>
+          <a:prstGeom prst="rect">
+            <a:avLst/>
+          </a:prstGeom>
+          <a:solidFill>
+            <a:srgbClr val="A2A1A1"/>
+          </a:solidFill>
+        </p:spPr>
+        <p:style>
+          <a:lnRef idx="2">
+            <a:schemeClr val="accent1">
+              <a:shade val="50000"/>
+            </a:schemeClr>
+          </a:lnRef>
+          <a:fillRef idx="1">
+            <a:schemeClr val="accent1"/>
+          </a:fillRef>
+          <a:effectRef idx="0">
+            <a:schemeClr val="accent1"/>
+          </a:effectRef>
+          <a:fontRef idx="minor">
+            <a:schemeClr val="lt1"/>
+          </a:fontRef>
+        </p:style>
+        <p:txBody>
+          <a:bodyPr rtlCol="0" anchor="ctr"/>
+          <a:lstStyle/>
+          <a:p>
+            <a:pPr algn="ctr"/>
+            <a:endParaRPr lang="en-US"/>
+          </a:p>
+        </p:txBody>
+      </p:sp>
+      <p:pic>
+        <p:nvPicPr>
+          <p:cNvPr id="14" name="Picture 13">
+            <a:extLst>
+              <a:ext uri="{FF2B5EF4-FFF2-40B4-BE49-F238E27FC236}">
+                <a16:creationId xmlns:a16="http://schemas.microsoft.com/office/drawing/2014/main" id="{33880DB3-D3A5-481B-8ECA-0DCE553B11B3}"/>
+              </a:ext>
+            </a:extLst>
+          </p:cNvPr>
+          <p:cNvPicPr>
+            <a:picLocks noChangeAspect="1"/>
+          </p:cNvPicPr>
+          <p:nvPr/>
+        </p:nvPicPr>
+        <p:blipFill>
+          <a:blip r:embed="rId2">
+            <a:extLst>
+              <a:ext uri="{28A0092B-C50C-407E-A947-70E740481C1C}">
+                <a14:useLocalDpi xmlns:a14="http://schemas.microsoft.com/office/drawing/2010/main" val="0"/>
+              </a:ext>
+            </a:extLst>
+          </a:blip>
+          <a:stretch>
+            <a:fillRect/>
+          </a:stretch>
+        </p:blipFill>
+        <p:spPr>
+          <a:xfrm>
+            <a:off x="4010507" y="2146177"/>
+            <a:ext cx="2565646" cy="2565646"/>
+          </a:xfrm>
+          <a:prstGeom prst="rect">
+            <a:avLst/>
+          </a:prstGeom>
+        </p:spPr>
+      </p:pic>
+      <p:sp>
+        <p:nvSpPr>
+          <p:cNvPr id="15" name="Rectangle 14">
+            <a:extLst>
+              <a:ext uri="{FF2B5EF4-FFF2-40B4-BE49-F238E27FC236}">
+                <a16:creationId xmlns:a16="http://schemas.microsoft.com/office/drawing/2014/main" id="{A251526A-564D-4D82-9141-91EA5477E3E0}"/>
+              </a:ext>
+            </a:extLst>
+          </p:cNvPr>
+          <p:cNvSpPr/>
+          <p:nvPr/>
+        </p:nvSpPr>
+        <p:spPr>
+          <a:xfrm>
+            <a:off x="7195365" y="2288218"/>
+            <a:ext cx="257452" cy="1012055"/>
+          </a:xfrm>
+          <a:prstGeom prst="rect">
+            <a:avLst/>
+          </a:prstGeom>
+          <a:solidFill>
+            <a:schemeClr val="bg1"/>
+          </a:solidFill>
+          <a:ln>
+            <a:noFill/>
+          </a:ln>
+        </p:spPr>
+        <p:style>
+          <a:lnRef idx="2">
+            <a:schemeClr val="accent1">
+              <a:shade val="50000"/>
+            </a:schemeClr>
+          </a:lnRef>
+          <a:fillRef idx="1">
+            <a:schemeClr val="accent1"/>
+          </a:fillRef>
+          <a:effectRef idx="0">
+            <a:schemeClr val="accent1"/>
+          </a:effectRef>
+          <a:fontRef idx="minor">
+            <a:schemeClr val="lt1"/>
+          </a:fontRef>
+        </p:style>
+        <p:txBody>
+          <a:bodyPr rtlCol="0" anchor="ctr"/>
+          <a:lstStyle/>
+          <a:p>
+            <a:pPr algn="ctr"/>
+            <a:endParaRPr lang="en-US"/>
+          </a:p>
+        </p:txBody>
+      </p:sp>
+      <p:sp>
+        <p:nvSpPr>
+          <p:cNvPr id="16" name="Rectangle 15">
+            <a:extLst>
+              <a:ext uri="{FF2B5EF4-FFF2-40B4-BE49-F238E27FC236}">
+                <a16:creationId xmlns:a16="http://schemas.microsoft.com/office/drawing/2014/main" id="{FE632481-32D8-4264-BC8C-6B5008C4FA46}"/>
+              </a:ext>
+            </a:extLst>
+          </p:cNvPr>
+          <p:cNvSpPr/>
+          <p:nvPr/>
+        </p:nvSpPr>
+        <p:spPr>
+          <a:xfrm rot="5400000">
+            <a:off x="7195365" y="2288219"/>
+            <a:ext cx="257452" cy="1012055"/>
+          </a:xfrm>
+          <a:prstGeom prst="rect">
+            <a:avLst/>
+          </a:prstGeom>
+          <a:solidFill>
+            <a:schemeClr val="bg1"/>
+          </a:solidFill>
+          <a:ln>
+            <a:noFill/>
+          </a:ln>
+        </p:spPr>
+        <p:style>
+          <a:lnRef idx="2">
+            <a:schemeClr val="accent1">
+              <a:shade val="50000"/>
+            </a:schemeClr>
+          </a:lnRef>
+          <a:fillRef idx="1">
+            <a:schemeClr val="accent1"/>
+          </a:fillRef>
+          <a:effectRef idx="0">
+            <a:schemeClr val="accent1"/>
+          </a:effectRef>
+          <a:fontRef idx="minor">
+            <a:schemeClr val="lt1"/>
+          </a:fontRef>
+        </p:style>
+        <p:txBody>
+          <a:bodyPr rtlCol="0" anchor="ctr"/>
+          <a:lstStyle/>
+          <a:p>
+            <a:pPr algn="ctr"/>
+            <a:endParaRPr lang="en-US"/>
+          </a:p>
+        </p:txBody>
+      </p:sp>
+    </p:spTree>
+    <p:extLst>
+      <p:ext uri="{BB962C8B-B14F-4D97-AF65-F5344CB8AC3E}">
+        <p14:creationId xmlns:p14="http://schemas.microsoft.com/office/powerpoint/2010/main" val="3342900181"/>
       </p:ext>
     </p:extLst>
   </p:cSld>

--- a/public/assets/sources.pptx
+++ b/public/assets/sources.pptx
@@ -265,7 +265,7 @@
           <a:p>
             <a:fld id="{C79F0725-D5E2-479C-8C83-A11862F1B3EE}" type="datetimeFigureOut">
               <a:rPr lang="en-US" smtClean="0"/>
-              <a:t>8/7/2019</a:t>
+              <a:t>8/14/2019</a:t>
             </a:fld>
             <a:endParaRPr lang="en-US"/>
           </a:p>
@@ -463,7 +463,7 @@
           <a:p>
             <a:fld id="{C79F0725-D5E2-479C-8C83-A11862F1B3EE}" type="datetimeFigureOut">
               <a:rPr lang="en-US" smtClean="0"/>
-              <a:t>8/7/2019</a:t>
+              <a:t>8/14/2019</a:t>
             </a:fld>
             <a:endParaRPr lang="en-US"/>
           </a:p>
@@ -671,7 +671,7 @@
           <a:p>
             <a:fld id="{C79F0725-D5E2-479C-8C83-A11862F1B3EE}" type="datetimeFigureOut">
               <a:rPr lang="en-US" smtClean="0"/>
-              <a:t>8/7/2019</a:t>
+              <a:t>8/14/2019</a:t>
             </a:fld>
             <a:endParaRPr lang="en-US"/>
           </a:p>
@@ -869,7 +869,7 @@
           <a:p>
             <a:fld id="{C79F0725-D5E2-479C-8C83-A11862F1B3EE}" type="datetimeFigureOut">
               <a:rPr lang="en-US" smtClean="0"/>
-              <a:t>8/7/2019</a:t>
+              <a:t>8/14/2019</a:t>
             </a:fld>
             <a:endParaRPr lang="en-US"/>
           </a:p>
@@ -1144,7 +1144,7 @@
           <a:p>
             <a:fld id="{C79F0725-D5E2-479C-8C83-A11862F1B3EE}" type="datetimeFigureOut">
               <a:rPr lang="en-US" smtClean="0"/>
-              <a:t>8/7/2019</a:t>
+              <a:t>8/14/2019</a:t>
             </a:fld>
             <a:endParaRPr lang="en-US"/>
           </a:p>
@@ -1409,7 +1409,7 @@
           <a:p>
             <a:fld id="{C79F0725-D5E2-479C-8C83-A11862F1B3EE}" type="datetimeFigureOut">
               <a:rPr lang="en-US" smtClean="0"/>
-              <a:t>8/7/2019</a:t>
+              <a:t>8/14/2019</a:t>
             </a:fld>
             <a:endParaRPr lang="en-US"/>
           </a:p>
@@ -1821,7 +1821,7 @@
           <a:p>
             <a:fld id="{C79F0725-D5E2-479C-8C83-A11862F1B3EE}" type="datetimeFigureOut">
               <a:rPr lang="en-US" smtClean="0"/>
-              <a:t>8/7/2019</a:t>
+              <a:t>8/14/2019</a:t>
             </a:fld>
             <a:endParaRPr lang="en-US"/>
           </a:p>
@@ -1962,7 +1962,7 @@
           <a:p>
             <a:fld id="{C79F0725-D5E2-479C-8C83-A11862F1B3EE}" type="datetimeFigureOut">
               <a:rPr lang="en-US" smtClean="0"/>
-              <a:t>8/7/2019</a:t>
+              <a:t>8/14/2019</a:t>
             </a:fld>
             <a:endParaRPr lang="en-US"/>
           </a:p>
@@ -2075,7 +2075,7 @@
           <a:p>
             <a:fld id="{C79F0725-D5E2-479C-8C83-A11862F1B3EE}" type="datetimeFigureOut">
               <a:rPr lang="en-US" smtClean="0"/>
-              <a:t>8/7/2019</a:t>
+              <a:t>8/14/2019</a:t>
             </a:fld>
             <a:endParaRPr lang="en-US"/>
           </a:p>
@@ -2386,7 +2386,7 @@
           <a:p>
             <a:fld id="{C79F0725-D5E2-479C-8C83-A11862F1B3EE}" type="datetimeFigureOut">
               <a:rPr lang="en-US" smtClean="0"/>
-              <a:t>8/7/2019</a:t>
+              <a:t>8/14/2019</a:t>
             </a:fld>
             <a:endParaRPr lang="en-US"/>
           </a:p>
@@ -2674,7 +2674,7 @@
           <a:p>
             <a:fld id="{C79F0725-D5E2-479C-8C83-A11862F1B3EE}" type="datetimeFigureOut">
               <a:rPr lang="en-US" smtClean="0"/>
-              <a:t>8/7/2019</a:t>
+              <a:t>8/14/2019</a:t>
             </a:fld>
             <a:endParaRPr lang="en-US"/>
           </a:p>
@@ -2915,7 +2915,7 @@
           <a:p>
             <a:fld id="{C79F0725-D5E2-479C-8C83-A11862F1B3EE}" type="datetimeFigureOut">
               <a:rPr lang="en-US" smtClean="0"/>
-              <a:t>8/7/2019</a:t>
+              <a:t>8/14/2019</a:t>
             </a:fld>
             <a:endParaRPr lang="en-US"/>
           </a:p>
@@ -4346,6 +4346,193 @@
           </p:txBody>
         </p:sp>
       </p:grpSp>
+      <p:grpSp>
+        <p:nvGrpSpPr>
+          <p:cNvPr id="8" name="Group 7">
+            <a:extLst>
+              <a:ext uri="{FF2B5EF4-FFF2-40B4-BE49-F238E27FC236}">
+                <a16:creationId xmlns:a16="http://schemas.microsoft.com/office/drawing/2014/main" id="{16CEA096-52ED-483D-82A0-F08301DE9744}"/>
+              </a:ext>
+            </a:extLst>
+          </p:cNvPr>
+          <p:cNvGrpSpPr/>
+          <p:nvPr/>
+        </p:nvGrpSpPr>
+        <p:grpSpPr>
+          <a:xfrm>
+            <a:off x="1057631" y="1697115"/>
+            <a:ext cx="3826276" cy="3826276"/>
+            <a:chOff x="5726097" y="1535837"/>
+            <a:chExt cx="3826276" cy="3826276"/>
+          </a:xfrm>
+        </p:grpSpPr>
+        <p:sp>
+          <p:nvSpPr>
+            <p:cNvPr id="9" name="Oval 8">
+              <a:extLst>
+                <a:ext uri="{FF2B5EF4-FFF2-40B4-BE49-F238E27FC236}">
+                  <a16:creationId xmlns:a16="http://schemas.microsoft.com/office/drawing/2014/main" id="{8C694F0D-F2D2-4187-A249-B39F07FEAF01}"/>
+                </a:ext>
+              </a:extLst>
+            </p:cNvPr>
+            <p:cNvSpPr/>
+            <p:nvPr/>
+          </p:nvSpPr>
+          <p:spPr>
+            <a:xfrm>
+              <a:off x="5726097" y="1535837"/>
+              <a:ext cx="3826276" cy="3826276"/>
+            </a:xfrm>
+            <a:prstGeom prst="ellipse">
+              <a:avLst/>
+            </a:prstGeom>
+            <a:solidFill>
+              <a:srgbClr val="FF0000"/>
+            </a:solidFill>
+            <a:ln>
+              <a:solidFill>
+                <a:schemeClr val="bg1"/>
+              </a:solidFill>
+            </a:ln>
+          </p:spPr>
+          <p:style>
+            <a:lnRef idx="2">
+              <a:schemeClr val="accent1">
+                <a:shade val="50000"/>
+              </a:schemeClr>
+            </a:lnRef>
+            <a:fillRef idx="1">
+              <a:schemeClr val="accent1"/>
+            </a:fillRef>
+            <a:effectRef idx="0">
+              <a:schemeClr val="accent1"/>
+            </a:effectRef>
+            <a:fontRef idx="minor">
+              <a:schemeClr val="lt1"/>
+            </a:fontRef>
+          </p:style>
+          <p:txBody>
+            <a:bodyPr rtlCol="0" anchor="ctr"/>
+            <a:lstStyle/>
+            <a:p>
+              <a:pPr algn="ctr"/>
+              <a:endParaRPr lang="en-US" dirty="0"/>
+            </a:p>
+          </p:txBody>
+        </p:sp>
+        <p:sp>
+          <p:nvSpPr>
+            <p:cNvPr id="10" name="Rectangle: Rounded Corners 9">
+              <a:extLst>
+                <a:ext uri="{FF2B5EF4-FFF2-40B4-BE49-F238E27FC236}">
+                  <a16:creationId xmlns:a16="http://schemas.microsoft.com/office/drawing/2014/main" id="{2EA9BA0F-38B4-4491-AED3-40276C81862C}"/>
+                </a:ext>
+              </a:extLst>
+            </p:cNvPr>
+            <p:cNvSpPr/>
+            <p:nvPr/>
+          </p:nvSpPr>
+          <p:spPr>
+            <a:xfrm rot="2563925">
+              <a:off x="7430610" y="2096567"/>
+              <a:ext cx="417250" cy="2704817"/>
+            </a:xfrm>
+            <a:prstGeom prst="roundRect">
+              <a:avLst>
+                <a:gd name="adj" fmla="val 50000"/>
+              </a:avLst>
+            </a:prstGeom>
+            <a:solidFill>
+              <a:schemeClr val="bg1"/>
+            </a:solidFill>
+            <a:ln>
+              <a:solidFill>
+                <a:schemeClr val="bg1"/>
+              </a:solidFill>
+            </a:ln>
+          </p:spPr>
+          <p:style>
+            <a:lnRef idx="2">
+              <a:schemeClr val="accent1">
+                <a:shade val="50000"/>
+              </a:schemeClr>
+            </a:lnRef>
+            <a:fillRef idx="1">
+              <a:schemeClr val="accent1"/>
+            </a:fillRef>
+            <a:effectRef idx="0">
+              <a:schemeClr val="accent1"/>
+            </a:effectRef>
+            <a:fontRef idx="minor">
+              <a:schemeClr val="lt1"/>
+            </a:fontRef>
+          </p:style>
+          <p:txBody>
+            <a:bodyPr rtlCol="0" anchor="ctr"/>
+            <a:lstStyle/>
+            <a:p>
+              <a:pPr algn="ctr"/>
+              <a:endParaRPr lang="en-US"/>
+            </a:p>
+          </p:txBody>
+        </p:sp>
+        <p:sp>
+          <p:nvSpPr>
+            <p:cNvPr id="11" name="Rectangle: Rounded Corners 10">
+              <a:extLst>
+                <a:ext uri="{FF2B5EF4-FFF2-40B4-BE49-F238E27FC236}">
+                  <a16:creationId xmlns:a16="http://schemas.microsoft.com/office/drawing/2014/main" id="{ACCAD26B-968C-4DBB-843B-37303A3D2EFA}"/>
+                </a:ext>
+              </a:extLst>
+            </p:cNvPr>
+            <p:cNvSpPr/>
+            <p:nvPr/>
+          </p:nvSpPr>
+          <p:spPr>
+            <a:xfrm rot="18828388">
+              <a:off x="7491462" y="2096567"/>
+              <a:ext cx="417250" cy="2704817"/>
+            </a:xfrm>
+            <a:prstGeom prst="roundRect">
+              <a:avLst>
+                <a:gd name="adj" fmla="val 50000"/>
+              </a:avLst>
+            </a:prstGeom>
+            <a:solidFill>
+              <a:schemeClr val="bg1"/>
+            </a:solidFill>
+            <a:ln>
+              <a:solidFill>
+                <a:schemeClr val="bg1"/>
+              </a:solidFill>
+            </a:ln>
+          </p:spPr>
+          <p:style>
+            <a:lnRef idx="2">
+              <a:schemeClr val="accent1">
+                <a:shade val="50000"/>
+              </a:schemeClr>
+            </a:lnRef>
+            <a:fillRef idx="1">
+              <a:schemeClr val="accent1"/>
+            </a:fillRef>
+            <a:effectRef idx="0">
+              <a:schemeClr val="accent1"/>
+            </a:effectRef>
+            <a:fontRef idx="minor">
+              <a:schemeClr val="lt1"/>
+            </a:fontRef>
+          </p:style>
+          <p:txBody>
+            <a:bodyPr rtlCol="0" anchor="ctr"/>
+            <a:lstStyle/>
+            <a:p>
+              <a:pPr algn="ctr"/>
+              <a:endParaRPr lang="en-US"/>
+            </a:p>
+          </p:txBody>
+        </p:sp>
+      </p:grpSp>
     </p:spTree>
     <p:extLst>
       <p:ext uri="{BB962C8B-B14F-4D97-AF65-F5344CB8AC3E}">

--- a/public/assets/sources.pptx
+++ b/public/assets/sources.pptx
@@ -10,8 +10,9 @@
     <p:sldId id="258" r:id="rId4"/>
     <p:sldId id="259" r:id="rId5"/>
     <p:sldId id="260" r:id="rId6"/>
-    <p:sldId id="261" r:id="rId7"/>
-    <p:sldId id="262" r:id="rId8"/>
+    <p:sldId id="263" r:id="rId7"/>
+    <p:sldId id="261" r:id="rId8"/>
+    <p:sldId id="262" r:id="rId9"/>
   </p:sldIdLst>
   <p:sldSz cx="12192000" cy="6858000"/>
   <p:notesSz cx="6858000" cy="9144000"/>
@@ -4565,6 +4566,224 @@
       </p:grpSpPr>
       <p:grpSp>
         <p:nvGrpSpPr>
+          <p:cNvPr id="4" name="Group 3">
+            <a:extLst>
+              <a:ext uri="{FF2B5EF4-FFF2-40B4-BE49-F238E27FC236}">
+                <a16:creationId xmlns:a16="http://schemas.microsoft.com/office/drawing/2014/main" id="{756A48E3-4BAE-4D19-99C7-6DE8D0F9B7B8}"/>
+              </a:ext>
+            </a:extLst>
+          </p:cNvPr>
+          <p:cNvGrpSpPr/>
+          <p:nvPr/>
+        </p:nvGrpSpPr>
+        <p:grpSpPr>
+          <a:xfrm>
+            <a:off x="1057631" y="1697115"/>
+            <a:ext cx="3826276" cy="3826276"/>
+            <a:chOff x="5726097" y="1535837"/>
+            <a:chExt cx="3826276" cy="3826276"/>
+          </a:xfrm>
+          <a:solidFill>
+            <a:srgbClr val="FF7C80"/>
+          </a:solidFill>
+        </p:grpSpPr>
+        <p:sp>
+          <p:nvSpPr>
+            <p:cNvPr id="5" name="Oval 4">
+              <a:extLst>
+                <a:ext uri="{FF2B5EF4-FFF2-40B4-BE49-F238E27FC236}">
+                  <a16:creationId xmlns:a16="http://schemas.microsoft.com/office/drawing/2014/main" id="{C60B3CC9-2F32-450F-AC89-EC30C1DDBA94}"/>
+                </a:ext>
+              </a:extLst>
+            </p:cNvPr>
+            <p:cNvSpPr/>
+            <p:nvPr/>
+          </p:nvSpPr>
+          <p:spPr>
+            <a:xfrm>
+              <a:off x="5726097" y="1535837"/>
+              <a:ext cx="3826276" cy="3826276"/>
+            </a:xfrm>
+            <a:prstGeom prst="ellipse">
+              <a:avLst/>
+            </a:prstGeom>
+            <a:grpFill/>
+            <a:ln>
+              <a:solidFill>
+                <a:schemeClr val="bg1"/>
+              </a:solidFill>
+            </a:ln>
+          </p:spPr>
+          <p:style>
+            <a:lnRef idx="2">
+              <a:schemeClr val="accent1">
+                <a:shade val="50000"/>
+              </a:schemeClr>
+            </a:lnRef>
+            <a:fillRef idx="1">
+              <a:schemeClr val="accent1"/>
+            </a:fillRef>
+            <a:effectRef idx="0">
+              <a:schemeClr val="accent1"/>
+            </a:effectRef>
+            <a:fontRef idx="minor">
+              <a:schemeClr val="lt1"/>
+            </a:fontRef>
+          </p:style>
+          <p:txBody>
+            <a:bodyPr rtlCol="0" anchor="ctr"/>
+            <a:lstStyle/>
+            <a:p>
+              <a:pPr algn="ctr"/>
+              <a:endParaRPr lang="en-US" dirty="0"/>
+            </a:p>
+          </p:txBody>
+        </p:sp>
+        <p:sp>
+          <p:nvSpPr>
+            <p:cNvPr id="6" name="Rectangle: Rounded Corners 5">
+              <a:extLst>
+                <a:ext uri="{FF2B5EF4-FFF2-40B4-BE49-F238E27FC236}">
+                  <a16:creationId xmlns:a16="http://schemas.microsoft.com/office/drawing/2014/main" id="{7DC34FDC-411D-4EA5-BDE4-F6527562FAB1}"/>
+                </a:ext>
+              </a:extLst>
+            </p:cNvPr>
+            <p:cNvSpPr/>
+            <p:nvPr/>
+          </p:nvSpPr>
+          <p:spPr>
+            <a:xfrm rot="2563925">
+              <a:off x="7430610" y="2096567"/>
+              <a:ext cx="417250" cy="2704817"/>
+            </a:xfrm>
+            <a:prstGeom prst="roundRect">
+              <a:avLst>
+                <a:gd name="adj" fmla="val 50000"/>
+              </a:avLst>
+            </a:prstGeom>
+            <a:solidFill>
+              <a:schemeClr val="bg1"/>
+            </a:solidFill>
+            <a:ln>
+              <a:solidFill>
+                <a:schemeClr val="bg1"/>
+              </a:solidFill>
+            </a:ln>
+          </p:spPr>
+          <p:style>
+            <a:lnRef idx="2">
+              <a:schemeClr val="accent1">
+                <a:shade val="50000"/>
+              </a:schemeClr>
+            </a:lnRef>
+            <a:fillRef idx="1">
+              <a:schemeClr val="accent1"/>
+            </a:fillRef>
+            <a:effectRef idx="0">
+              <a:schemeClr val="accent1"/>
+            </a:effectRef>
+            <a:fontRef idx="minor">
+              <a:schemeClr val="lt1"/>
+            </a:fontRef>
+          </p:style>
+          <p:txBody>
+            <a:bodyPr rtlCol="0" anchor="ctr"/>
+            <a:lstStyle/>
+            <a:p>
+              <a:pPr algn="ctr"/>
+              <a:endParaRPr lang="en-US"/>
+            </a:p>
+          </p:txBody>
+        </p:sp>
+        <p:sp>
+          <p:nvSpPr>
+            <p:cNvPr id="7" name="Rectangle: Rounded Corners 6">
+              <a:extLst>
+                <a:ext uri="{FF2B5EF4-FFF2-40B4-BE49-F238E27FC236}">
+                  <a16:creationId xmlns:a16="http://schemas.microsoft.com/office/drawing/2014/main" id="{C6E9072F-2382-4287-80CE-61EB0EBD3C06}"/>
+                </a:ext>
+              </a:extLst>
+            </p:cNvPr>
+            <p:cNvSpPr/>
+            <p:nvPr/>
+          </p:nvSpPr>
+          <p:spPr>
+            <a:xfrm rot="18828388">
+              <a:off x="7491462" y="2096567"/>
+              <a:ext cx="417250" cy="2704817"/>
+            </a:xfrm>
+            <a:prstGeom prst="roundRect">
+              <a:avLst>
+                <a:gd name="adj" fmla="val 50000"/>
+              </a:avLst>
+            </a:prstGeom>
+            <a:solidFill>
+              <a:schemeClr val="bg1"/>
+            </a:solidFill>
+            <a:ln>
+              <a:solidFill>
+                <a:schemeClr val="bg1"/>
+              </a:solidFill>
+            </a:ln>
+          </p:spPr>
+          <p:style>
+            <a:lnRef idx="2">
+              <a:schemeClr val="accent1">
+                <a:shade val="50000"/>
+              </a:schemeClr>
+            </a:lnRef>
+            <a:fillRef idx="1">
+              <a:schemeClr val="accent1"/>
+            </a:fillRef>
+            <a:effectRef idx="0">
+              <a:schemeClr val="accent1"/>
+            </a:effectRef>
+            <a:fontRef idx="minor">
+              <a:schemeClr val="lt1"/>
+            </a:fontRef>
+          </p:style>
+          <p:txBody>
+            <a:bodyPr rtlCol="0" anchor="ctr"/>
+            <a:lstStyle/>
+            <a:p>
+              <a:pPr algn="ctr"/>
+              <a:endParaRPr lang="en-US" dirty="0"/>
+            </a:p>
+          </p:txBody>
+        </p:sp>
+      </p:grpSp>
+    </p:spTree>
+    <p:extLst>
+      <p:ext uri="{BB962C8B-B14F-4D97-AF65-F5344CB8AC3E}">
+        <p14:creationId xmlns:p14="http://schemas.microsoft.com/office/powerpoint/2010/main" val="1309748537"/>
+      </p:ext>
+    </p:extLst>
+  </p:cSld>
+  <p:clrMapOvr>
+    <a:masterClrMapping/>
+  </p:clrMapOvr>
+</p:sld>
+</file>
+
+<file path=ppt/slides/slide7.xml><?xml version="1.0" encoding="utf-8"?>
+<p:sld xmlns:a="http://schemas.openxmlformats.org/drawingml/2006/main" xmlns:r="http://schemas.openxmlformats.org/officeDocument/2006/relationships" xmlns:p="http://schemas.openxmlformats.org/presentationml/2006/main">
+  <p:cSld>
+    <p:spTree>
+      <p:nvGrpSpPr>
+        <p:cNvPr id="1" name=""/>
+        <p:cNvGrpSpPr/>
+        <p:nvPr/>
+      </p:nvGrpSpPr>
+      <p:grpSpPr>
+        <a:xfrm>
+          <a:off x="0" y="0"/>
+          <a:ext cx="0" cy="0"/>
+          <a:chOff x="0" y="0"/>
+          <a:chExt cx="0" cy="0"/>
+        </a:xfrm>
+      </p:grpSpPr>
+      <p:grpSp>
+        <p:nvGrpSpPr>
           <p:cNvPr id="11" name="Group 10">
             <a:extLst>
               <a:ext uri="{FF2B5EF4-FFF2-40B4-BE49-F238E27FC236}">
@@ -4753,7 +4972,7 @@
 </p:sld>
 </file>
 
-<file path=ppt/slides/slide7.xml><?xml version="1.0" encoding="utf-8"?>
+<file path=ppt/slides/slide8.xml><?xml version="1.0" encoding="utf-8"?>
 <p:sld xmlns:a="http://schemas.openxmlformats.org/drawingml/2006/main" xmlns:r="http://schemas.openxmlformats.org/officeDocument/2006/relationships" xmlns:p="http://schemas.openxmlformats.org/presentationml/2006/main">
   <p:cSld>
     <p:spTree>

--- a/public/assets/sources.pptx
+++ b/public/assets/sources.pptx
@@ -13,6 +13,7 @@
     <p:sldId id="263" r:id="rId7"/>
     <p:sldId id="261" r:id="rId8"/>
     <p:sldId id="262" r:id="rId9"/>
+    <p:sldId id="264" r:id="rId10"/>
   </p:sldIdLst>
   <p:sldSz cx="12192000" cy="6858000"/>
   <p:notesSz cx="6858000" cy="9144000"/>
@@ -266,7 +267,7 @@
           <a:p>
             <a:fld id="{C79F0725-D5E2-479C-8C83-A11862F1B3EE}" type="datetimeFigureOut">
               <a:rPr lang="en-US" smtClean="0"/>
-              <a:t>8/14/2019</a:t>
+              <a:t>8/15/2019</a:t>
             </a:fld>
             <a:endParaRPr lang="en-US"/>
           </a:p>
@@ -464,7 +465,7 @@
           <a:p>
             <a:fld id="{C79F0725-D5E2-479C-8C83-A11862F1B3EE}" type="datetimeFigureOut">
               <a:rPr lang="en-US" smtClean="0"/>
-              <a:t>8/14/2019</a:t>
+              <a:t>8/15/2019</a:t>
             </a:fld>
             <a:endParaRPr lang="en-US"/>
           </a:p>
@@ -672,7 +673,7 @@
           <a:p>
             <a:fld id="{C79F0725-D5E2-479C-8C83-A11862F1B3EE}" type="datetimeFigureOut">
               <a:rPr lang="en-US" smtClean="0"/>
-              <a:t>8/14/2019</a:t>
+              <a:t>8/15/2019</a:t>
             </a:fld>
             <a:endParaRPr lang="en-US"/>
           </a:p>
@@ -870,7 +871,7 @@
           <a:p>
             <a:fld id="{C79F0725-D5E2-479C-8C83-A11862F1B3EE}" type="datetimeFigureOut">
               <a:rPr lang="en-US" smtClean="0"/>
-              <a:t>8/14/2019</a:t>
+              <a:t>8/15/2019</a:t>
             </a:fld>
             <a:endParaRPr lang="en-US"/>
           </a:p>
@@ -1145,7 +1146,7 @@
           <a:p>
             <a:fld id="{C79F0725-D5E2-479C-8C83-A11862F1B3EE}" type="datetimeFigureOut">
               <a:rPr lang="en-US" smtClean="0"/>
-              <a:t>8/14/2019</a:t>
+              <a:t>8/15/2019</a:t>
             </a:fld>
             <a:endParaRPr lang="en-US"/>
           </a:p>
@@ -1410,7 +1411,7 @@
           <a:p>
             <a:fld id="{C79F0725-D5E2-479C-8C83-A11862F1B3EE}" type="datetimeFigureOut">
               <a:rPr lang="en-US" smtClean="0"/>
-              <a:t>8/14/2019</a:t>
+              <a:t>8/15/2019</a:t>
             </a:fld>
             <a:endParaRPr lang="en-US"/>
           </a:p>
@@ -1822,7 +1823,7 @@
           <a:p>
             <a:fld id="{C79F0725-D5E2-479C-8C83-A11862F1B3EE}" type="datetimeFigureOut">
               <a:rPr lang="en-US" smtClean="0"/>
-              <a:t>8/14/2019</a:t>
+              <a:t>8/15/2019</a:t>
             </a:fld>
             <a:endParaRPr lang="en-US"/>
           </a:p>
@@ -1963,7 +1964,7 @@
           <a:p>
             <a:fld id="{C79F0725-D5E2-479C-8C83-A11862F1B3EE}" type="datetimeFigureOut">
               <a:rPr lang="en-US" smtClean="0"/>
-              <a:t>8/14/2019</a:t>
+              <a:t>8/15/2019</a:t>
             </a:fld>
             <a:endParaRPr lang="en-US"/>
           </a:p>
@@ -2076,7 +2077,7 @@
           <a:p>
             <a:fld id="{C79F0725-D5E2-479C-8C83-A11862F1B3EE}" type="datetimeFigureOut">
               <a:rPr lang="en-US" smtClean="0"/>
-              <a:t>8/14/2019</a:t>
+              <a:t>8/15/2019</a:t>
             </a:fld>
             <a:endParaRPr lang="en-US"/>
           </a:p>
@@ -2387,7 +2388,7 @@
           <a:p>
             <a:fld id="{C79F0725-D5E2-479C-8C83-A11862F1B3EE}" type="datetimeFigureOut">
               <a:rPr lang="en-US" smtClean="0"/>
-              <a:t>8/14/2019</a:t>
+              <a:t>8/15/2019</a:t>
             </a:fld>
             <a:endParaRPr lang="en-US"/>
           </a:p>
@@ -2675,7 +2676,7 @@
           <a:p>
             <a:fld id="{C79F0725-D5E2-479C-8C83-A11862F1B3EE}" type="datetimeFigureOut">
               <a:rPr lang="en-US" smtClean="0"/>
-              <a:t>8/14/2019</a:t>
+              <a:t>8/15/2019</a:t>
             </a:fld>
             <a:endParaRPr lang="en-US"/>
           </a:p>
@@ -2916,7 +2917,7 @@
           <a:p>
             <a:fld id="{C79F0725-D5E2-479C-8C83-A11862F1B3EE}" type="datetimeFigureOut">
               <a:rPr lang="en-US" smtClean="0"/>
-              <a:t>8/14/2019</a:t>
+              <a:t>8/15/2019</a:t>
             </a:fld>
             <a:endParaRPr lang="en-US"/>
           </a:p>
@@ -5191,6 +5192,127 @@
 </p:sld>
 </file>
 
+<file path=ppt/slides/slide9.xml><?xml version="1.0" encoding="utf-8"?>
+<p:sld xmlns:a="http://schemas.openxmlformats.org/drawingml/2006/main" xmlns:r="http://schemas.openxmlformats.org/officeDocument/2006/relationships" xmlns:p="http://schemas.openxmlformats.org/presentationml/2006/main">
+  <p:cSld>
+    <p:spTree>
+      <p:nvGrpSpPr>
+        <p:cNvPr id="1" name=""/>
+        <p:cNvGrpSpPr/>
+        <p:nvPr/>
+      </p:nvGrpSpPr>
+      <p:grpSpPr>
+        <a:xfrm>
+          <a:off x="0" y="0"/>
+          <a:ext cx="0" cy="0"/>
+          <a:chOff x="0" y="0"/>
+          <a:chExt cx="0" cy="0"/>
+        </a:xfrm>
+      </p:grpSpPr>
+      <p:sp>
+        <p:nvSpPr>
+          <p:cNvPr id="2" name="Title 1">
+            <a:extLst>
+              <a:ext uri="{FF2B5EF4-FFF2-40B4-BE49-F238E27FC236}">
+                <a16:creationId xmlns:a16="http://schemas.microsoft.com/office/drawing/2014/main" id="{93D2FF36-34DA-496B-A361-6DDF0E28F2AB}"/>
+              </a:ext>
+            </a:extLst>
+          </p:cNvPr>
+          <p:cNvSpPr>
+            <a:spLocks noGrp="1"/>
+          </p:cNvSpPr>
+          <p:nvPr>
+            <p:ph type="title"/>
+          </p:nvPr>
+        </p:nvSpPr>
+        <p:spPr/>
+        <p:txBody>
+          <a:bodyPr>
+            <a:normAutofit fontScale="90000"/>
+          </a:bodyPr>
+          <a:lstStyle/>
+          <a:p>
+            <a:r>
+              <a:rPr lang="en-US" dirty="0"/>
+              <a:t>Page not found. </a:t>
+            </a:r>
+            <a:br>
+              <a:rPr lang="en-US" dirty="0"/>
+            </a:br>
+            <a:r>
+              <a:rPr lang="en-US" dirty="0"/>
+              <a:t>Just like our cats’ homes. </a:t>
+            </a:r>
+            <a:br>
+              <a:rPr lang="en-US" dirty="0"/>
+            </a:br>
+            <a:r>
+              <a:rPr lang="en-US" dirty="0"/>
+              <a:t>Will you help find homes for the cats?</a:t>
+            </a:r>
+          </a:p>
+        </p:txBody>
+      </p:sp>
+      <p:pic>
+        <p:nvPicPr>
+          <p:cNvPr id="1026" name="Picture 2" descr="Image result for sad cat meme">
+            <a:extLst>
+              <a:ext uri="{FF2B5EF4-FFF2-40B4-BE49-F238E27FC236}">
+                <a16:creationId xmlns:a16="http://schemas.microsoft.com/office/drawing/2014/main" id="{FC365B84-3AC5-44D3-AD46-0AE1CA1998CB}"/>
+              </a:ext>
+            </a:extLst>
+          </p:cNvPr>
+          <p:cNvPicPr>
+            <a:picLocks noChangeAspect="1" noChangeArrowheads="1"/>
+          </p:cNvPicPr>
+          <p:nvPr/>
+        </p:nvPicPr>
+        <p:blipFill>
+          <a:blip r:embed="rId2">
+            <a:extLst>
+              <a:ext uri="{28A0092B-C50C-407E-A947-70E740481C1C}">
+                <a14:useLocalDpi xmlns:a14="http://schemas.microsoft.com/office/drawing/2010/main" val="0"/>
+              </a:ext>
+            </a:extLst>
+          </a:blip>
+          <a:srcRect/>
+          <a:stretch>
+            <a:fillRect/>
+          </a:stretch>
+        </p:blipFill>
+        <p:spPr bwMode="auto">
+          <a:xfrm>
+            <a:off x="838200" y="2095500"/>
+            <a:ext cx="7620000" cy="4286250"/>
+          </a:xfrm>
+          <a:prstGeom prst="rect">
+            <a:avLst/>
+          </a:prstGeom>
+          <a:noFill/>
+          <a:extLst>
+            <a:ext uri="{909E8E84-426E-40DD-AFC4-6F175D3DCCD1}">
+              <a14:hiddenFill xmlns:a14="http://schemas.microsoft.com/office/drawing/2010/main">
+                <a:solidFill>
+                  <a:srgbClr val="FFFFFF"/>
+                </a:solidFill>
+              </a14:hiddenFill>
+            </a:ext>
+          </a:extLst>
+        </p:spPr>
+      </p:pic>
+    </p:spTree>
+    <p:extLst>
+      <p:ext uri="{BB962C8B-B14F-4D97-AF65-F5344CB8AC3E}">
+        <p14:creationId xmlns:p14="http://schemas.microsoft.com/office/powerpoint/2010/main" val="3748225003"/>
+      </p:ext>
+    </p:extLst>
+  </p:cSld>
+  <p:clrMapOvr>
+    <a:masterClrMapping/>
+  </p:clrMapOvr>
+</p:sld>
+</file>
+
 <file path=ppt/theme/theme1.xml><?xml version="1.0" encoding="utf-8"?>
 <a:theme xmlns:a="http://schemas.openxmlformats.org/drawingml/2006/main" name="Office Theme">
   <a:themeElements>
